--- a/docs/Lectures/Week01/Week01_Intro_Course.pptx
+++ b/docs/Lectures/Week01/Week01_Intro_Course.pptx
@@ -11,20 +11,21 @@
     <p:sldId id="285" r:id="rId5"/>
     <p:sldId id="281" r:id="rId6"/>
     <p:sldId id="282" r:id="rId7"/>
-    <p:sldId id="283" r:id="rId8"/>
-    <p:sldId id="284" r:id="rId9"/>
-    <p:sldId id="286" r:id="rId10"/>
-    <p:sldId id="287" r:id="rId11"/>
-    <p:sldId id="288" r:id="rId12"/>
-    <p:sldId id="289" r:id="rId13"/>
-    <p:sldId id="290" r:id="rId14"/>
-    <p:sldId id="291" r:id="rId15"/>
-    <p:sldId id="292" r:id="rId16"/>
-    <p:sldId id="293" r:id="rId17"/>
-    <p:sldId id="294" r:id="rId18"/>
-    <p:sldId id="295" r:id="rId19"/>
-    <p:sldId id="296" r:id="rId20"/>
-    <p:sldId id="265" r:id="rId21"/>
+    <p:sldId id="297" r:id="rId8"/>
+    <p:sldId id="283" r:id="rId9"/>
+    <p:sldId id="284" r:id="rId10"/>
+    <p:sldId id="286" r:id="rId11"/>
+    <p:sldId id="287" r:id="rId12"/>
+    <p:sldId id="288" r:id="rId13"/>
+    <p:sldId id="289" r:id="rId14"/>
+    <p:sldId id="290" r:id="rId15"/>
+    <p:sldId id="291" r:id="rId16"/>
+    <p:sldId id="292" r:id="rId17"/>
+    <p:sldId id="293" r:id="rId18"/>
+    <p:sldId id="294" r:id="rId19"/>
+    <p:sldId id="295" r:id="rId20"/>
+    <p:sldId id="296" r:id="rId21"/>
+    <p:sldId id="265" r:id="rId22"/>
   </p:sldIdLst>
   <p:sldSz cx="12192000" cy="6858000"/>
   <p:notesSz cx="6858000" cy="9144000"/>
@@ -4249,7 +4250,13 @@
   <p:cSld>
     <p:spTree>
       <p:nvGrpSpPr>
-        <p:cNvPr id="1" name=""/>
+        <p:cNvPr id="1" name="">
+          <a:extLst>
+            <a:ext uri="{FF2B5EF4-FFF2-40B4-BE49-F238E27FC236}">
+              <a16:creationId xmlns:a16="http://schemas.microsoft.com/office/drawing/2014/main" id="{FF522AF5-77DF-4A14-166A-939AFFD3895B}"/>
+            </a:ext>
+          </a:extLst>
+        </p:cNvPr>
         <p:cNvGrpSpPr/>
         <p:nvPr/>
       </p:nvGrpSpPr>
@@ -4261,12 +4268,41 @@
           <a:chExt cx="0" cy="0"/>
         </a:xfrm>
       </p:grpSpPr>
+      <p:pic>
+        <p:nvPicPr>
+          <p:cNvPr id="4" name="Picture 3" descr="A colorful background with waves&#10;&#10;Description automatically generated with medium confidence">
+            <a:extLst>
+              <a:ext uri="{FF2B5EF4-FFF2-40B4-BE49-F238E27FC236}">
+                <a16:creationId xmlns:a16="http://schemas.microsoft.com/office/drawing/2014/main" id="{AB5A7515-CF38-5FE1-3F84-1EEBF92D4749}"/>
+              </a:ext>
+            </a:extLst>
+          </p:cNvPr>
+          <p:cNvPicPr>
+            <a:picLocks noChangeAspect="1"/>
+          </p:cNvPicPr>
+          <p:nvPr/>
+        </p:nvPicPr>
+        <p:blipFill>
+          <a:blip r:embed="rId2"/>
+          <a:srcRect r="11111"/>
+          <a:stretch/>
+        </p:blipFill>
+        <p:spPr>
+          <a:xfrm>
+            <a:off x="20" y="12"/>
+            <a:ext cx="12191980" cy="6857988"/>
+          </a:xfrm>
+          <a:prstGeom prst="rect">
+            <a:avLst/>
+          </a:prstGeom>
+        </p:spPr>
+      </p:pic>
       <p:sp>
         <p:nvSpPr>
           <p:cNvPr id="2" name="Title 1">
             <a:extLst>
               <a:ext uri="{FF2B5EF4-FFF2-40B4-BE49-F238E27FC236}">
-                <a16:creationId xmlns:a16="http://schemas.microsoft.com/office/drawing/2014/main" id="{619B3B41-CD8D-84E1-F8F3-0077E474CE3A}"/>
+                <a16:creationId xmlns:a16="http://schemas.microsoft.com/office/drawing/2014/main" id="{65E4A67E-7184-10D0-3861-1FD0E065C4FB}"/>
               </a:ext>
             </a:extLst>
           </p:cNvPr>
@@ -4274,106 +4310,167 @@
             <a:spLocks noGrp="1"/>
           </p:cNvSpPr>
           <p:nvPr>
-            <p:ph type="title"/>
-          </p:nvPr>
-        </p:nvSpPr>
-        <p:spPr>
-          <a:xfrm>
-            <a:off x="581192" y="702156"/>
-            <a:ext cx="11029616" cy="578004"/>
-          </a:xfrm>
-        </p:spPr>
-        <p:txBody>
-          <a:bodyPr/>
-          <a:lstStyle/>
-          <a:p>
-            <a:r>
-              <a:rPr lang="en-US" altLang="zh-CN" dirty="0"/>
-              <a:t>Week 02</a:t>
-            </a:r>
-            <a:endParaRPr lang="en-US" dirty="0"/>
-          </a:p>
-        </p:txBody>
-      </p:sp>
-      <p:sp>
-        <p:nvSpPr>
-          <p:cNvPr id="3" name="Content Placeholder 2">
+            <p:ph type="ctrTitle"/>
+          </p:nvPr>
+        </p:nvSpPr>
+        <p:spPr>
+          <a:xfrm>
+            <a:off x="837126" y="1693546"/>
+            <a:ext cx="4320227" cy="2009774"/>
+          </a:xfrm>
+        </p:spPr>
+        <p:txBody>
+          <a:bodyPr>
+            <a:normAutofit/>
+          </a:bodyPr>
+          <a:lstStyle/>
+          <a:p>
+            <a:r>
+              <a:rPr lang="en-US" sz="4000" dirty="0">
+                <a:solidFill>
+                  <a:srgbClr val="FFFFFF"/>
+                </a:solidFill>
+              </a:rPr>
+              <a:t>WEEK 01 </a:t>
+            </a:r>
+            <a:br>
+              <a:rPr lang="en-US" sz="4000" dirty="0">
+                <a:solidFill>
+                  <a:srgbClr val="FFFFFF"/>
+                </a:solidFill>
+              </a:rPr>
+            </a:br>
+            <a:br>
+              <a:rPr lang="en-US" sz="4000" dirty="0">
+                <a:solidFill>
+                  <a:srgbClr val="FFFFFF"/>
+                </a:solidFill>
+              </a:rPr>
+            </a:br>
+            <a:r>
+              <a:rPr lang="en-US" sz="4000" dirty="0">
+                <a:solidFill>
+                  <a:srgbClr val="FFFFFF"/>
+                </a:solidFill>
+              </a:rPr>
+              <a:t>lecture session</a:t>
+            </a:r>
+          </a:p>
+        </p:txBody>
+      </p:sp>
+      <p:sp>
+        <p:nvSpPr>
+          <p:cNvPr id="5" name="TextBox 4">
             <a:extLst>
               <a:ext uri="{FF2B5EF4-FFF2-40B4-BE49-F238E27FC236}">
-                <a16:creationId xmlns:a16="http://schemas.microsoft.com/office/drawing/2014/main" id="{6A4D6C2D-22AD-4525-777F-C627E53BE8A4}"/>
+                <a16:creationId xmlns:a16="http://schemas.microsoft.com/office/drawing/2014/main" id="{B8D9AE8A-7BEC-80A6-985F-A3A05DACBF24}"/>
               </a:ext>
             </a:extLst>
           </p:cNvPr>
-          <p:cNvSpPr>
-            <a:spLocks noGrp="1"/>
-          </p:cNvSpPr>
-          <p:nvPr>
-            <p:ph idx="1"/>
-          </p:nvPr>
-        </p:nvSpPr>
-        <p:spPr>
-          <a:xfrm>
-            <a:off x="581192" y="1426464"/>
-            <a:ext cx="11029615" cy="2542032"/>
-          </a:xfrm>
-        </p:spPr>
-        <p:txBody>
-          <a:bodyPr>
-            <a:normAutofit/>
+          <p:cNvSpPr txBox="1"/>
+          <p:nvPr/>
+        </p:nvSpPr>
+        <p:spPr>
+          <a:xfrm>
+            <a:off x="837126" y="4289196"/>
+            <a:ext cx="3912124" cy="3046988"/>
+          </a:xfrm>
+          <a:prstGeom prst="rect">
+            <a:avLst/>
+          </a:prstGeom>
+          <a:noFill/>
+        </p:spPr>
+        <p:txBody>
+          <a:bodyPr wrap="square" rtlCol="0">
+            <a:spAutoFit/>
           </a:bodyPr>
           <a:lstStyle/>
           <a:p>
             <a:r>
-              <a:rPr lang="en-US" sz="2800" dirty="0"/>
-              <a:t>Introduction to the Database and </a:t>
-            </a:r>
-            <a:r>
-              <a:rPr lang="en-US" sz="2800" dirty="0" err="1"/>
-              <a:t>PostGIS</a:t>
-            </a:r>
-            <a:endParaRPr lang="en-US" sz="2800" dirty="0"/>
-          </a:p>
-          <a:p>
-            <a:pPr lvl="1">
-              <a:buFont typeface="Wingdings" panose="05000000000000000000" pitchFamily="2" charset="2"/>
-              <a:buChar char="Ø"/>
-            </a:pPr>
-            <a:r>
-              <a:rPr lang="en-US" sz="2800" dirty="0"/>
-              <a:t>What is spatial database </a:t>
-            </a:r>
-          </a:p>
-          <a:p>
-            <a:pPr lvl="1">
-              <a:buFont typeface="Wingdings" panose="05000000000000000000" pitchFamily="2" charset="2"/>
-              <a:buChar char="Ø"/>
-            </a:pPr>
-            <a:r>
-              <a:rPr lang="en-US" sz="2800" dirty="0"/>
-              <a:t>Introducing </a:t>
-            </a:r>
-            <a:r>
-              <a:rPr lang="en-US" sz="2800" dirty="0" err="1"/>
-              <a:t>PostGIS</a:t>
-            </a:r>
-            <a:endParaRPr lang="en-US" sz="2800" dirty="0"/>
-          </a:p>
-          <a:p>
-            <a:pPr lvl="1">
-              <a:buFont typeface="Wingdings" panose="05000000000000000000" pitchFamily="2" charset="2"/>
-              <a:buChar char="Ø"/>
-            </a:pPr>
-            <a:r>
-              <a:rPr lang="en-US" sz="2800" dirty="0"/>
-              <a:t>Spatial data types</a:t>
-            </a:r>
+              <a:rPr lang="en-US" sz="3200" dirty="0">
+                <a:solidFill>
+                  <a:srgbClr val="FFFFFF">
+                    <a:alpha val="75000"/>
+                  </a:srgbClr>
+                </a:solidFill>
+              </a:rPr>
+              <a:t>Instructor: Yanan Wu</a:t>
+            </a:r>
+          </a:p>
+          <a:p>
+            <a:r>
+              <a:rPr lang="en-US" sz="3200" dirty="0">
+                <a:solidFill>
+                  <a:srgbClr val="FFFFFF">
+                    <a:alpha val="75000"/>
+                  </a:srgbClr>
+                </a:solidFill>
+              </a:rPr>
+              <a:t>TA: </a:t>
+            </a:r>
+            <a:r>
+              <a:rPr lang="en-US" sz="3200" dirty="0" err="1">
+                <a:solidFill>
+                  <a:srgbClr val="FFFFFF">
+                    <a:alpha val="75000"/>
+                  </a:srgbClr>
+                </a:solidFill>
+              </a:rPr>
+              <a:t>Vanchy</a:t>
+            </a:r>
+            <a:r>
+              <a:rPr lang="en-US" sz="3200" dirty="0">
+                <a:solidFill>
+                  <a:srgbClr val="FFFFFF">
+                    <a:alpha val="75000"/>
+                  </a:srgbClr>
+                </a:solidFill>
+              </a:rPr>
+              <a:t> Li</a:t>
+            </a:r>
+          </a:p>
+          <a:p>
+            <a:r>
+              <a:rPr lang="en-US" sz="3200" dirty="0">
+                <a:solidFill>
+                  <a:srgbClr val="FFFFFF">
+                    <a:alpha val="75000"/>
+                  </a:srgbClr>
+                </a:solidFill>
+              </a:rPr>
+              <a:t> </a:t>
+            </a:r>
+          </a:p>
+          <a:p>
+            <a:r>
+              <a:rPr lang="en-US" sz="3200" dirty="0">
+                <a:solidFill>
+                  <a:srgbClr val="FFFFFF">
+                    <a:alpha val="75000"/>
+                  </a:srgbClr>
+                </a:solidFill>
+              </a:rPr>
+              <a:t>Spring 2025</a:t>
+            </a:r>
+          </a:p>
+          <a:p>
+            <a:endParaRPr lang="en-US" sz="3200" dirty="0">
+              <a:solidFill>
+                <a:srgbClr val="FFFFFF">
+                  <a:alpha val="75000"/>
+                </a:srgbClr>
+              </a:solidFill>
+            </a:endParaRPr>
+          </a:p>
+          <a:p>
+            <a:endParaRPr lang="en-US" sz="3200" dirty="0"/>
           </a:p>
         </p:txBody>
       </p:sp>
     </p:spTree>
     <p:extLst>
       <p:ext uri="{BB962C8B-B14F-4D97-AF65-F5344CB8AC3E}">
-        <p14:creationId xmlns:p14="http://schemas.microsoft.com/office/powerpoint/2010/main" val="4235824759"/>
+        <p14:creationId xmlns:p14="http://schemas.microsoft.com/office/powerpoint/2010/main" val="3384109603"/>
       </p:ext>
     </p:extLst>
   </p:cSld>
@@ -4405,7 +4502,7 @@
           <p:cNvPr id="2" name="Title 1">
             <a:extLst>
               <a:ext uri="{FF2B5EF4-FFF2-40B4-BE49-F238E27FC236}">
-                <a16:creationId xmlns:a16="http://schemas.microsoft.com/office/drawing/2014/main" id="{A521F105-FC39-F001-5C73-E944A9FE9B95}"/>
+                <a16:creationId xmlns:a16="http://schemas.microsoft.com/office/drawing/2014/main" id="{619B3B41-CD8D-84E1-F8F3-0077E474CE3A}"/>
               </a:ext>
             </a:extLst>
           </p:cNvPr>
@@ -4419,7 +4516,7 @@
         <p:spPr>
           <a:xfrm>
             <a:off x="581192" y="702156"/>
-            <a:ext cx="11029616" cy="568860"/>
+            <a:ext cx="11029616" cy="578004"/>
           </a:xfrm>
         </p:spPr>
         <p:txBody>
@@ -4427,9 +4524,10 @@
           <a:lstStyle/>
           <a:p>
             <a:r>
-              <a:rPr lang="en-US" dirty="0"/>
-              <a:t>Week 03</a:t>
-            </a:r>
+              <a:rPr lang="en-US" altLang="zh-CN" dirty="0"/>
+              <a:t>Week 02</a:t>
+            </a:r>
+            <a:endParaRPr lang="en-US" dirty="0"/>
           </a:p>
         </p:txBody>
       </p:sp>
@@ -4438,7 +4536,7 @@
           <p:cNvPr id="3" name="Content Placeholder 2">
             <a:extLst>
               <a:ext uri="{FF2B5EF4-FFF2-40B4-BE49-F238E27FC236}">
-                <a16:creationId xmlns:a16="http://schemas.microsoft.com/office/drawing/2014/main" id="{938ACB92-7C9F-49D5-84FC-55F375BD90FD}"/>
+                <a16:creationId xmlns:a16="http://schemas.microsoft.com/office/drawing/2014/main" id="{6A4D6C2D-22AD-4525-777F-C627E53BE8A4}"/>
               </a:ext>
             </a:extLst>
           </p:cNvPr>
@@ -4451,8 +4549,8 @@
         </p:nvSpPr>
         <p:spPr>
           <a:xfrm>
-            <a:off x="581192" y="1490472"/>
-            <a:ext cx="11029615" cy="722376"/>
+            <a:off x="581192" y="1426464"/>
+            <a:ext cx="11029615" cy="2542032"/>
           </a:xfrm>
         </p:spPr>
         <p:txBody>
@@ -4462,8 +4560,48 @@
           <a:lstStyle/>
           <a:p>
             <a:r>
-              <a:rPr lang="en-US" sz="2400" dirty="0"/>
-              <a:t>Spatial data and geodatabases</a:t>
+              <a:rPr lang="en-US" sz="2800" dirty="0"/>
+              <a:t>Introduction to the Database and </a:t>
+            </a:r>
+            <a:r>
+              <a:rPr lang="en-US" sz="2800" dirty="0" err="1"/>
+              <a:t>PostGIS</a:t>
+            </a:r>
+            <a:endParaRPr lang="en-US" sz="2800" dirty="0"/>
+          </a:p>
+          <a:p>
+            <a:pPr lvl="1">
+              <a:buFont typeface="Wingdings" panose="05000000000000000000" pitchFamily="2" charset="2"/>
+              <a:buChar char="Ø"/>
+            </a:pPr>
+            <a:r>
+              <a:rPr lang="en-US" sz="2800" dirty="0"/>
+              <a:t>What is spatial database </a:t>
+            </a:r>
+          </a:p>
+          <a:p>
+            <a:pPr lvl="1">
+              <a:buFont typeface="Wingdings" panose="05000000000000000000" pitchFamily="2" charset="2"/>
+              <a:buChar char="Ø"/>
+            </a:pPr>
+            <a:r>
+              <a:rPr lang="en-US" sz="2800" dirty="0"/>
+              <a:t>Introducing </a:t>
+            </a:r>
+            <a:r>
+              <a:rPr lang="en-US" sz="2800" dirty="0" err="1"/>
+              <a:t>PostGIS</a:t>
+            </a:r>
+            <a:endParaRPr lang="en-US" sz="2800" dirty="0"/>
+          </a:p>
+          <a:p>
+            <a:pPr lvl="1">
+              <a:buFont typeface="Wingdings" panose="05000000000000000000" pitchFamily="2" charset="2"/>
+              <a:buChar char="Ø"/>
+            </a:pPr>
+            <a:r>
+              <a:rPr lang="en-US" sz="2800" dirty="0"/>
+              <a:t>Spatial data types</a:t>
             </a:r>
           </a:p>
         </p:txBody>
@@ -4471,7 +4609,7 @@
     </p:spTree>
     <p:extLst>
       <p:ext uri="{BB962C8B-B14F-4D97-AF65-F5344CB8AC3E}">
-        <p14:creationId xmlns:p14="http://schemas.microsoft.com/office/powerpoint/2010/main" val="542352223"/>
+        <p14:creationId xmlns:p14="http://schemas.microsoft.com/office/powerpoint/2010/main" val="4235824759"/>
       </p:ext>
     </p:extLst>
   </p:cSld>
@@ -4503,7 +4641,7 @@
           <p:cNvPr id="2" name="Title 1">
             <a:extLst>
               <a:ext uri="{FF2B5EF4-FFF2-40B4-BE49-F238E27FC236}">
-                <a16:creationId xmlns:a16="http://schemas.microsoft.com/office/drawing/2014/main" id="{4A0A3EC1-5E11-F33C-3956-7408258A1900}"/>
+                <a16:creationId xmlns:a16="http://schemas.microsoft.com/office/drawing/2014/main" id="{A521F105-FC39-F001-5C73-E944A9FE9B95}"/>
               </a:ext>
             </a:extLst>
           </p:cNvPr>
@@ -4517,7 +4655,7 @@
         <p:spPr>
           <a:xfrm>
             <a:off x="581192" y="702156"/>
-            <a:ext cx="11029616" cy="550572"/>
+            <a:ext cx="11029616" cy="568860"/>
           </a:xfrm>
         </p:spPr>
         <p:txBody>
@@ -4526,7 +4664,7 @@
           <a:p>
             <a:r>
               <a:rPr lang="en-US" dirty="0"/>
-              <a:t>Week 04</a:t>
+              <a:t>Week 03</a:t>
             </a:r>
           </a:p>
         </p:txBody>
@@ -4536,7 +4674,7 @@
           <p:cNvPr id="3" name="Content Placeholder 2">
             <a:extLst>
               <a:ext uri="{FF2B5EF4-FFF2-40B4-BE49-F238E27FC236}">
-                <a16:creationId xmlns:a16="http://schemas.microsoft.com/office/drawing/2014/main" id="{703F1AFF-9E16-308F-75E4-525A003E2254}"/>
+                <a16:creationId xmlns:a16="http://schemas.microsoft.com/office/drawing/2014/main" id="{938ACB92-7C9F-49D5-84FC-55F375BD90FD}"/>
               </a:ext>
             </a:extLst>
           </p:cNvPr>
@@ -4549,17 +4687,19 @@
         </p:nvSpPr>
         <p:spPr>
           <a:xfrm>
-            <a:off x="581193" y="1426464"/>
-            <a:ext cx="11029615" cy="550572"/>
-          </a:xfrm>
-        </p:spPr>
-        <p:txBody>
-          <a:bodyPr/>
-          <a:lstStyle/>
-          <a:p>
-            <a:r>
-              <a:rPr lang="en-US" dirty="0"/>
-              <a:t>Introduction to SQL</a:t>
+            <a:off x="581192" y="1490472"/>
+            <a:ext cx="11029615" cy="722376"/>
+          </a:xfrm>
+        </p:spPr>
+        <p:txBody>
+          <a:bodyPr>
+            <a:normAutofit/>
+          </a:bodyPr>
+          <a:lstStyle/>
+          <a:p>
+            <a:r>
+              <a:rPr lang="en-US" sz="2400" dirty="0"/>
+              <a:t>Spatial data and geodatabases</a:t>
             </a:r>
           </a:p>
         </p:txBody>
@@ -4567,7 +4707,7 @@
     </p:spTree>
     <p:extLst>
       <p:ext uri="{BB962C8B-B14F-4D97-AF65-F5344CB8AC3E}">
-        <p14:creationId xmlns:p14="http://schemas.microsoft.com/office/powerpoint/2010/main" val="1426419718"/>
+        <p14:creationId xmlns:p14="http://schemas.microsoft.com/office/powerpoint/2010/main" val="542352223"/>
       </p:ext>
     </p:extLst>
   </p:cSld>
@@ -4599,7 +4739,7 @@
           <p:cNvPr id="2" name="Title 1">
             <a:extLst>
               <a:ext uri="{FF2B5EF4-FFF2-40B4-BE49-F238E27FC236}">
-                <a16:creationId xmlns:a16="http://schemas.microsoft.com/office/drawing/2014/main" id="{E73BA5FB-3344-8139-6937-0554F45FAB4F}"/>
+                <a16:creationId xmlns:a16="http://schemas.microsoft.com/office/drawing/2014/main" id="{4A0A3EC1-5E11-F33C-3956-7408258A1900}"/>
               </a:ext>
             </a:extLst>
           </p:cNvPr>
@@ -4613,7 +4753,7 @@
         <p:spPr>
           <a:xfrm>
             <a:off x="581192" y="702156"/>
-            <a:ext cx="11029616" cy="532284"/>
+            <a:ext cx="11029616" cy="550572"/>
           </a:xfrm>
         </p:spPr>
         <p:txBody>
@@ -4622,7 +4762,7 @@
           <a:p>
             <a:r>
               <a:rPr lang="en-US" dirty="0"/>
-              <a:t>WEEK 05</a:t>
+              <a:t>Week 04</a:t>
             </a:r>
           </a:p>
         </p:txBody>
@@ -4632,7 +4772,7 @@
           <p:cNvPr id="3" name="Content Placeholder 2">
             <a:extLst>
               <a:ext uri="{FF2B5EF4-FFF2-40B4-BE49-F238E27FC236}">
-                <a16:creationId xmlns:a16="http://schemas.microsoft.com/office/drawing/2014/main" id="{4C3A8FDA-B1F0-6AF3-B987-36956E82C5F8}"/>
+                <a16:creationId xmlns:a16="http://schemas.microsoft.com/office/drawing/2014/main" id="{703F1AFF-9E16-308F-75E4-525A003E2254}"/>
               </a:ext>
             </a:extLst>
           </p:cNvPr>
@@ -4645,8 +4785,8 @@
         </p:nvSpPr>
         <p:spPr>
           <a:xfrm>
-            <a:off x="581191" y="1426464"/>
-            <a:ext cx="11029615" cy="667512"/>
+            <a:off x="581193" y="1426464"/>
+            <a:ext cx="11029615" cy="550572"/>
           </a:xfrm>
         </p:spPr>
         <p:txBody>
@@ -4655,7 +4795,7 @@
           <a:p>
             <a:r>
               <a:rPr lang="en-US" dirty="0"/>
-              <a:t>Advanced SQL for spatial data</a:t>
+              <a:t>Introduction to SQL</a:t>
             </a:r>
           </a:p>
         </p:txBody>
@@ -4663,7 +4803,7 @@
     </p:spTree>
     <p:extLst>
       <p:ext uri="{BB962C8B-B14F-4D97-AF65-F5344CB8AC3E}">
-        <p14:creationId xmlns:p14="http://schemas.microsoft.com/office/powerpoint/2010/main" val="3446124975"/>
+        <p14:creationId xmlns:p14="http://schemas.microsoft.com/office/powerpoint/2010/main" val="1426419718"/>
       </p:ext>
     </p:extLst>
   </p:cSld>
@@ -4695,7 +4835,7 @@
           <p:cNvPr id="2" name="Title 1">
             <a:extLst>
               <a:ext uri="{FF2B5EF4-FFF2-40B4-BE49-F238E27FC236}">
-                <a16:creationId xmlns:a16="http://schemas.microsoft.com/office/drawing/2014/main" id="{B390F6D6-422B-7962-EF5C-D568A7C82C8F}"/>
+                <a16:creationId xmlns:a16="http://schemas.microsoft.com/office/drawing/2014/main" id="{E73BA5FB-3344-8139-6937-0554F45FAB4F}"/>
               </a:ext>
             </a:extLst>
           </p:cNvPr>
@@ -4709,7 +4849,7 @@
         <p:spPr>
           <a:xfrm>
             <a:off x="581192" y="702156"/>
-            <a:ext cx="11029616" cy="594360"/>
+            <a:ext cx="11029616" cy="532284"/>
           </a:xfrm>
         </p:spPr>
         <p:txBody>
@@ -4718,7 +4858,7 @@
           <a:p>
             <a:r>
               <a:rPr lang="en-US" dirty="0"/>
-              <a:t>Week 06 &amp; week 07</a:t>
+              <a:t>WEEK 05</a:t>
             </a:r>
           </a:p>
         </p:txBody>
@@ -4728,7 +4868,7 @@
           <p:cNvPr id="3" name="Content Placeholder 2">
             <a:extLst>
               <a:ext uri="{FF2B5EF4-FFF2-40B4-BE49-F238E27FC236}">
-                <a16:creationId xmlns:a16="http://schemas.microsoft.com/office/drawing/2014/main" id="{0BEE8453-DF4C-3DBB-5E37-4BA59D378FD6}"/>
+                <a16:creationId xmlns:a16="http://schemas.microsoft.com/office/drawing/2014/main" id="{4C3A8FDA-B1F0-6AF3-B987-36956E82C5F8}"/>
               </a:ext>
             </a:extLst>
           </p:cNvPr>
@@ -4741,8 +4881,8 @@
         </p:nvSpPr>
         <p:spPr>
           <a:xfrm>
-            <a:off x="581193" y="1536192"/>
-            <a:ext cx="11029615" cy="594360"/>
+            <a:off x="581191" y="1426464"/>
+            <a:ext cx="11029615" cy="667512"/>
           </a:xfrm>
         </p:spPr>
         <p:txBody>
@@ -4751,20 +4891,15 @@
           <a:p>
             <a:r>
               <a:rPr lang="en-US" dirty="0"/>
-              <a:t>Python API for PostgreSQL and </a:t>
-            </a:r>
-            <a:r>
-              <a:rPr lang="en-US" dirty="0" err="1"/>
-              <a:t>PostGIS</a:t>
-            </a:r>
-            <a:endParaRPr lang="en-US" dirty="0"/>
+              <a:t>Advanced SQL for spatial data</a:t>
+            </a:r>
           </a:p>
         </p:txBody>
       </p:sp>
     </p:spTree>
     <p:extLst>
       <p:ext uri="{BB962C8B-B14F-4D97-AF65-F5344CB8AC3E}">
-        <p14:creationId xmlns:p14="http://schemas.microsoft.com/office/powerpoint/2010/main" val="726914706"/>
+        <p14:creationId xmlns:p14="http://schemas.microsoft.com/office/powerpoint/2010/main" val="3446124975"/>
       </p:ext>
     </p:extLst>
   </p:cSld>
@@ -4796,7 +4931,7 @@
           <p:cNvPr id="2" name="Title 1">
             <a:extLst>
               <a:ext uri="{FF2B5EF4-FFF2-40B4-BE49-F238E27FC236}">
-                <a16:creationId xmlns:a16="http://schemas.microsoft.com/office/drawing/2014/main" id="{51D344DA-3757-1D1B-08C3-661A427AA03E}"/>
+                <a16:creationId xmlns:a16="http://schemas.microsoft.com/office/drawing/2014/main" id="{B390F6D6-422B-7962-EF5C-D568A7C82C8F}"/>
               </a:ext>
             </a:extLst>
           </p:cNvPr>
@@ -4810,7 +4945,7 @@
         <p:spPr>
           <a:xfrm>
             <a:off x="581192" y="702156"/>
-            <a:ext cx="11029616" cy="523140"/>
+            <a:ext cx="11029616" cy="594360"/>
           </a:xfrm>
         </p:spPr>
         <p:txBody>
@@ -4819,7 +4954,7 @@
           <a:p>
             <a:r>
               <a:rPr lang="en-US" dirty="0"/>
-              <a:t>WEEK 09</a:t>
+              <a:t>Week 06 &amp; week 07</a:t>
             </a:r>
           </a:p>
         </p:txBody>
@@ -4829,7 +4964,7 @@
           <p:cNvPr id="3" name="Content Placeholder 2">
             <a:extLst>
               <a:ext uri="{FF2B5EF4-FFF2-40B4-BE49-F238E27FC236}">
-                <a16:creationId xmlns:a16="http://schemas.microsoft.com/office/drawing/2014/main" id="{C19C2DC2-FAD7-1D88-D1B1-8F7CE821E70D}"/>
+                <a16:creationId xmlns:a16="http://schemas.microsoft.com/office/drawing/2014/main" id="{0BEE8453-DF4C-3DBB-5E37-4BA59D378FD6}"/>
               </a:ext>
             </a:extLst>
           </p:cNvPr>
@@ -4842,8 +4977,8 @@
         </p:nvSpPr>
         <p:spPr>
           <a:xfrm>
-            <a:off x="581193" y="1335024"/>
-            <a:ext cx="11029615" cy="448056"/>
+            <a:off x="581193" y="1536192"/>
+            <a:ext cx="11029615" cy="594360"/>
           </a:xfrm>
         </p:spPr>
         <p:txBody>
@@ -4852,15 +4987,20 @@
           <a:p>
             <a:r>
               <a:rPr lang="en-US" dirty="0"/>
-              <a:t>Raster Processing</a:t>
-            </a:r>
+              <a:t>Python API for PostgreSQL and </a:t>
+            </a:r>
+            <a:r>
+              <a:rPr lang="en-US" dirty="0" err="1"/>
+              <a:t>PostGIS</a:t>
+            </a:r>
+            <a:endParaRPr lang="en-US" dirty="0"/>
           </a:p>
         </p:txBody>
       </p:sp>
     </p:spTree>
     <p:extLst>
       <p:ext uri="{BB962C8B-B14F-4D97-AF65-F5344CB8AC3E}">
-        <p14:creationId xmlns:p14="http://schemas.microsoft.com/office/powerpoint/2010/main" val="2618341476"/>
+        <p14:creationId xmlns:p14="http://schemas.microsoft.com/office/powerpoint/2010/main" val="726914706"/>
       </p:ext>
     </p:extLst>
   </p:cSld>
@@ -4892,7 +5032,7 @@
           <p:cNvPr id="2" name="Title 1">
             <a:extLst>
               <a:ext uri="{FF2B5EF4-FFF2-40B4-BE49-F238E27FC236}">
-                <a16:creationId xmlns:a16="http://schemas.microsoft.com/office/drawing/2014/main" id="{6374DD57-21B0-C9F7-FEE1-4EE4DF980386}"/>
+                <a16:creationId xmlns:a16="http://schemas.microsoft.com/office/drawing/2014/main" id="{51D344DA-3757-1D1B-08C3-661A427AA03E}"/>
               </a:ext>
             </a:extLst>
           </p:cNvPr>
@@ -4903,12 +5043,20 @@
             <p:ph type="title"/>
           </p:nvPr>
         </p:nvSpPr>
-        <p:spPr/>
+        <p:spPr>
+          <a:xfrm>
+            <a:off x="581192" y="702156"/>
+            <a:ext cx="11029616" cy="523140"/>
+          </a:xfrm>
+        </p:spPr>
         <p:txBody>
           <a:bodyPr/>
           <a:lstStyle/>
           <a:p>
-            <a:endParaRPr lang="en-US"/>
+            <a:r>
+              <a:rPr lang="en-US" dirty="0"/>
+              <a:t>WEEK 09</a:t>
+            </a:r>
           </a:p>
         </p:txBody>
       </p:sp>
@@ -4917,7 +5065,7 @@
           <p:cNvPr id="3" name="Content Placeholder 2">
             <a:extLst>
               <a:ext uri="{FF2B5EF4-FFF2-40B4-BE49-F238E27FC236}">
-                <a16:creationId xmlns:a16="http://schemas.microsoft.com/office/drawing/2014/main" id="{92EE9895-F121-76FB-E77C-33CC2893EBF7}"/>
+                <a16:creationId xmlns:a16="http://schemas.microsoft.com/office/drawing/2014/main" id="{C19C2DC2-FAD7-1D88-D1B1-8F7CE821E70D}"/>
               </a:ext>
             </a:extLst>
           </p:cNvPr>
@@ -4928,19 +5076,27 @@
             <p:ph idx="1"/>
           </p:nvPr>
         </p:nvSpPr>
-        <p:spPr/>
+        <p:spPr>
+          <a:xfrm>
+            <a:off x="581193" y="1335024"/>
+            <a:ext cx="11029615" cy="448056"/>
+          </a:xfrm>
+        </p:spPr>
         <p:txBody>
           <a:bodyPr/>
           <a:lstStyle/>
           <a:p>
-            <a:endParaRPr lang="en-US"/>
+            <a:r>
+              <a:rPr lang="en-US" dirty="0"/>
+              <a:t>Raster Processing</a:t>
+            </a:r>
           </a:p>
         </p:txBody>
       </p:sp>
     </p:spTree>
     <p:extLst>
       <p:ext uri="{BB962C8B-B14F-4D97-AF65-F5344CB8AC3E}">
-        <p14:creationId xmlns:p14="http://schemas.microsoft.com/office/powerpoint/2010/main" val="1767167212"/>
+        <p14:creationId xmlns:p14="http://schemas.microsoft.com/office/powerpoint/2010/main" val="2618341476"/>
       </p:ext>
     </p:extLst>
   </p:cSld>
@@ -4972,7 +5128,7 @@
           <p:cNvPr id="2" name="Title 1">
             <a:extLst>
               <a:ext uri="{FF2B5EF4-FFF2-40B4-BE49-F238E27FC236}">
-                <a16:creationId xmlns:a16="http://schemas.microsoft.com/office/drawing/2014/main" id="{476687CC-5B24-0DFA-A469-F517B739C2B4}"/>
+                <a16:creationId xmlns:a16="http://schemas.microsoft.com/office/drawing/2014/main" id="{6374DD57-21B0-C9F7-FEE1-4EE4DF980386}"/>
               </a:ext>
             </a:extLst>
           </p:cNvPr>
@@ -4997,7 +5153,7 @@
           <p:cNvPr id="3" name="Content Placeholder 2">
             <a:extLst>
               <a:ext uri="{FF2B5EF4-FFF2-40B4-BE49-F238E27FC236}">
-                <a16:creationId xmlns:a16="http://schemas.microsoft.com/office/drawing/2014/main" id="{3910F962-7FD2-6C5F-3D58-FDEE3EFA6B73}"/>
+                <a16:creationId xmlns:a16="http://schemas.microsoft.com/office/drawing/2014/main" id="{92EE9895-F121-76FB-E77C-33CC2893EBF7}"/>
               </a:ext>
             </a:extLst>
           </p:cNvPr>
@@ -5020,7 +5176,7 @@
     </p:spTree>
     <p:extLst>
       <p:ext uri="{BB962C8B-B14F-4D97-AF65-F5344CB8AC3E}">
-        <p14:creationId xmlns:p14="http://schemas.microsoft.com/office/powerpoint/2010/main" val="503776581"/>
+        <p14:creationId xmlns:p14="http://schemas.microsoft.com/office/powerpoint/2010/main" val="1767167212"/>
       </p:ext>
     </p:extLst>
   </p:cSld>
@@ -5052,7 +5208,7 @@
           <p:cNvPr id="2" name="Title 1">
             <a:extLst>
               <a:ext uri="{FF2B5EF4-FFF2-40B4-BE49-F238E27FC236}">
-                <a16:creationId xmlns:a16="http://schemas.microsoft.com/office/drawing/2014/main" id="{755DD39C-92AF-6AD5-5797-636C703218A7}"/>
+                <a16:creationId xmlns:a16="http://schemas.microsoft.com/office/drawing/2014/main" id="{476687CC-5B24-0DFA-A469-F517B739C2B4}"/>
               </a:ext>
             </a:extLst>
           </p:cNvPr>
@@ -5077,7 +5233,7 @@
           <p:cNvPr id="3" name="Content Placeholder 2">
             <a:extLst>
               <a:ext uri="{FF2B5EF4-FFF2-40B4-BE49-F238E27FC236}">
-                <a16:creationId xmlns:a16="http://schemas.microsoft.com/office/drawing/2014/main" id="{5C606285-7B1C-7020-27A6-53EECEF958F0}"/>
+                <a16:creationId xmlns:a16="http://schemas.microsoft.com/office/drawing/2014/main" id="{3910F962-7FD2-6C5F-3D58-FDEE3EFA6B73}"/>
               </a:ext>
             </a:extLst>
           </p:cNvPr>
@@ -5100,7 +5256,7 @@
     </p:spTree>
     <p:extLst>
       <p:ext uri="{BB962C8B-B14F-4D97-AF65-F5344CB8AC3E}">
-        <p14:creationId xmlns:p14="http://schemas.microsoft.com/office/powerpoint/2010/main" val="3378215952"/>
+        <p14:creationId xmlns:p14="http://schemas.microsoft.com/office/powerpoint/2010/main" val="503776581"/>
       </p:ext>
     </p:extLst>
   </p:cSld>
@@ -5132,7 +5288,7 @@
           <p:cNvPr id="2" name="Title 1">
             <a:extLst>
               <a:ext uri="{FF2B5EF4-FFF2-40B4-BE49-F238E27FC236}">
-                <a16:creationId xmlns:a16="http://schemas.microsoft.com/office/drawing/2014/main" id="{71FC153D-63C3-607C-23E8-40FE39EA9799}"/>
+                <a16:creationId xmlns:a16="http://schemas.microsoft.com/office/drawing/2014/main" id="{755DD39C-92AF-6AD5-5797-636C703218A7}"/>
               </a:ext>
             </a:extLst>
           </p:cNvPr>
@@ -5157,7 +5313,7 @@
           <p:cNvPr id="3" name="Content Placeholder 2">
             <a:extLst>
               <a:ext uri="{FF2B5EF4-FFF2-40B4-BE49-F238E27FC236}">
-                <a16:creationId xmlns:a16="http://schemas.microsoft.com/office/drawing/2014/main" id="{41EEA97C-F798-C49B-F556-0807533F93C5}"/>
+                <a16:creationId xmlns:a16="http://schemas.microsoft.com/office/drawing/2014/main" id="{5C606285-7B1C-7020-27A6-53EECEF958F0}"/>
               </a:ext>
             </a:extLst>
           </p:cNvPr>
@@ -5180,7 +5336,7 @@
     </p:spTree>
     <p:extLst>
       <p:ext uri="{BB962C8B-B14F-4D97-AF65-F5344CB8AC3E}">
-        <p14:creationId xmlns:p14="http://schemas.microsoft.com/office/powerpoint/2010/main" val="1127322178"/>
+        <p14:creationId xmlns:p14="http://schemas.microsoft.com/office/powerpoint/2010/main" val="3378215952"/>
       </p:ext>
     </p:extLst>
   </p:cSld>
@@ -5326,6 +5482,86 @@
 </file>
 
 <file path=ppt/slides/slide20.xml><?xml version="1.0" encoding="utf-8"?>
+<p:sld xmlns:a="http://schemas.openxmlformats.org/drawingml/2006/main" xmlns:r="http://schemas.openxmlformats.org/officeDocument/2006/relationships" xmlns:p="http://schemas.openxmlformats.org/presentationml/2006/main">
+  <p:cSld>
+    <p:spTree>
+      <p:nvGrpSpPr>
+        <p:cNvPr id="1" name=""/>
+        <p:cNvGrpSpPr/>
+        <p:nvPr/>
+      </p:nvGrpSpPr>
+      <p:grpSpPr>
+        <a:xfrm>
+          <a:off x="0" y="0"/>
+          <a:ext cx="0" cy="0"/>
+          <a:chOff x="0" y="0"/>
+          <a:chExt cx="0" cy="0"/>
+        </a:xfrm>
+      </p:grpSpPr>
+      <p:sp>
+        <p:nvSpPr>
+          <p:cNvPr id="2" name="Title 1">
+            <a:extLst>
+              <a:ext uri="{FF2B5EF4-FFF2-40B4-BE49-F238E27FC236}">
+                <a16:creationId xmlns:a16="http://schemas.microsoft.com/office/drawing/2014/main" id="{71FC153D-63C3-607C-23E8-40FE39EA9799}"/>
+              </a:ext>
+            </a:extLst>
+          </p:cNvPr>
+          <p:cNvSpPr>
+            <a:spLocks noGrp="1"/>
+          </p:cNvSpPr>
+          <p:nvPr>
+            <p:ph type="title"/>
+          </p:nvPr>
+        </p:nvSpPr>
+        <p:spPr/>
+        <p:txBody>
+          <a:bodyPr/>
+          <a:lstStyle/>
+          <a:p>
+            <a:endParaRPr lang="en-US"/>
+          </a:p>
+        </p:txBody>
+      </p:sp>
+      <p:sp>
+        <p:nvSpPr>
+          <p:cNvPr id="3" name="Content Placeholder 2">
+            <a:extLst>
+              <a:ext uri="{FF2B5EF4-FFF2-40B4-BE49-F238E27FC236}">
+                <a16:creationId xmlns:a16="http://schemas.microsoft.com/office/drawing/2014/main" id="{41EEA97C-F798-C49B-F556-0807533F93C5}"/>
+              </a:ext>
+            </a:extLst>
+          </p:cNvPr>
+          <p:cNvSpPr>
+            <a:spLocks noGrp="1"/>
+          </p:cNvSpPr>
+          <p:nvPr>
+            <p:ph idx="1"/>
+          </p:nvPr>
+        </p:nvSpPr>
+        <p:spPr/>
+        <p:txBody>
+          <a:bodyPr/>
+          <a:lstStyle/>
+          <a:p>
+            <a:endParaRPr lang="en-US"/>
+          </a:p>
+        </p:txBody>
+      </p:sp>
+    </p:spTree>
+    <p:extLst>
+      <p:ext uri="{BB962C8B-B14F-4D97-AF65-F5344CB8AC3E}">
+        <p14:creationId xmlns:p14="http://schemas.microsoft.com/office/powerpoint/2010/main" val="1127322178"/>
+      </p:ext>
+    </p:extLst>
+  </p:cSld>
+  <p:clrMapOvr>
+    <a:masterClrMapping/>
+  </p:clrMapOvr>
+</p:sld>
+</file>
+
+<file path=ppt/slides/slide21.xml><?xml version="1.0" encoding="utf-8"?>
 <p:sld xmlns:a="http://schemas.openxmlformats.org/drawingml/2006/main" xmlns:r="http://schemas.openxmlformats.org/officeDocument/2006/relationships" xmlns:p="http://schemas.openxmlformats.org/presentationml/2006/main">
   <p:cSld>
     <p:spTree>
@@ -6701,7 +6937,7 @@
           <p:cNvPr id="2" name="Title 1">
             <a:extLst>
               <a:ext uri="{FF2B5EF4-FFF2-40B4-BE49-F238E27FC236}">
-                <a16:creationId xmlns:a16="http://schemas.microsoft.com/office/drawing/2014/main" id="{E0D25BEA-F835-5188-91C9-2F7211B9D48A}"/>
+                <a16:creationId xmlns:a16="http://schemas.microsoft.com/office/drawing/2014/main" id="{EA90BBEF-38EC-3502-F999-08B1B4D6F5A6}"/>
               </a:ext>
             </a:extLst>
           </p:cNvPr>
@@ -6715,7 +6951,7 @@
         <p:spPr>
           <a:xfrm>
             <a:off x="581192" y="702156"/>
-            <a:ext cx="11029616" cy="925476"/>
+            <a:ext cx="11029616" cy="559716"/>
           </a:xfrm>
         </p:spPr>
         <p:txBody>
@@ -6724,7 +6960,7 @@
           <a:p>
             <a:r>
               <a:rPr lang="en-US" dirty="0"/>
-              <a:t>Course requirements</a:t>
+              <a:t>learning resource</a:t>
             </a:r>
           </a:p>
         </p:txBody>
@@ -6734,7 +6970,7 @@
           <p:cNvPr id="3" name="Content Placeholder 2">
             <a:extLst>
               <a:ext uri="{FF2B5EF4-FFF2-40B4-BE49-F238E27FC236}">
-                <a16:creationId xmlns:a16="http://schemas.microsoft.com/office/drawing/2014/main" id="{2D67FD95-1CD0-E227-926C-BDF162BB830E}"/>
+                <a16:creationId xmlns:a16="http://schemas.microsoft.com/office/drawing/2014/main" id="{9479888D-A978-85B4-04BB-1657BFF799DD}"/>
               </a:ext>
             </a:extLst>
           </p:cNvPr>
@@ -6747,68 +6983,86 @@
         </p:nvSpPr>
         <p:spPr>
           <a:xfrm>
-            <a:off x="581191" y="2002535"/>
-            <a:ext cx="11029615" cy="3227833"/>
-          </a:xfrm>
-        </p:spPr>
-        <p:txBody>
-          <a:bodyPr>
-            <a:noAutofit/>
-          </a:bodyPr>
-          <a:lstStyle/>
-          <a:p>
-            <a:r>
-              <a:rPr lang="en-US" sz="2400" b="0" i="0" u="none" strike="noStrike" baseline="0" dirty="0">
-                <a:solidFill>
-                  <a:srgbClr val="000000"/>
-                </a:solidFill>
-                <a:latin typeface="Calibri" panose="020F0502020204030204" pitchFamily="34" charset="0"/>
+            <a:off x="581193" y="1453896"/>
+            <a:ext cx="11029615" cy="2322576"/>
+          </a:xfrm>
+        </p:spPr>
+        <p:txBody>
+          <a:bodyPr/>
+          <a:lstStyle/>
+          <a:p>
+            <a:r>
+              <a:rPr lang="en-US" dirty="0">
+                <a:hlinkClick r:id="rId2"/>
               </a:rPr>
-              <a:t>Labs: 11 in total</a:t>
-            </a:r>
-          </a:p>
-          <a:p>
-            <a:pPr marL="324000" lvl="1" indent="0">
-              <a:buNone/>
-            </a:pPr>
-            <a:r>
-              <a:rPr lang="en-US" sz="2200" b="0" i="0" u="none" strike="noStrike" baseline="0" dirty="0">
-                <a:solidFill>
-                  <a:srgbClr val="000000"/>
-                </a:solidFill>
-                <a:latin typeface="Calibri" panose="020F0502020204030204" pitchFamily="34" charset="0"/>
+              <a:t>Introduction to </a:t>
+            </a:r>
+            <a:r>
+              <a:rPr lang="en-US" dirty="0" err="1">
+                <a:hlinkClick r:id="rId2"/>
               </a:rPr>
-              <a:t>For any graded assignment, if the you do not agree with the grade received, the instructor and TA must be notified within one week after the assignment is graded.</a:t>
-            </a:r>
-          </a:p>
-          <a:p>
-            <a:r>
-              <a:rPr lang="en-US" sz="2400" dirty="0">
-                <a:solidFill>
-                  <a:srgbClr val="000000"/>
-                </a:solidFill>
-                <a:latin typeface="Calibri" panose="020F0502020204030204" pitchFamily="34" charset="0"/>
+              <a:t>PostGIS</a:t>
+            </a:r>
+            <a:endParaRPr lang="en-US" dirty="0"/>
+          </a:p>
+          <a:p>
+            <a:endParaRPr lang="en-US" dirty="0"/>
+          </a:p>
+          <a:p>
+            <a:r>
+              <a:rPr lang="en-US" b="0" i="0" dirty="0">
+                <a:solidFill>
+                  <a:srgbClr val="222222"/>
+                </a:solidFill>
+                <a:effectLst/>
+                <a:latin typeface="Arial" panose="020B0604020202020204" pitchFamily="34" charset="0"/>
               </a:rPr>
-              <a:t>Late policy for lab (excluding midterm and final project)</a:t>
-            </a:r>
-          </a:p>
-          <a:p>
-            <a:r>
-              <a:rPr lang="en-US" sz="2400" dirty="0">
-                <a:solidFill>
-                  <a:srgbClr val="000000"/>
-                </a:solidFill>
-                <a:latin typeface="Calibri" panose="020F0502020204030204" pitchFamily="34" charset="0"/>
+              <a:t>Obe, R., &amp; Hsu, L. S. (2021). </a:t>
+            </a:r>
+            <a:r>
+              <a:rPr lang="en-US" b="0" i="1" dirty="0" err="1">
+                <a:solidFill>
+                  <a:srgbClr val="222222"/>
+                </a:solidFill>
+                <a:effectLst/>
+                <a:latin typeface="Arial" panose="020B0604020202020204" pitchFamily="34" charset="0"/>
               </a:rPr>
-              <a:t>One midterm exam &amp; One final project (oral presentation and paper report)</a:t>
-            </a:r>
+              <a:t>PostGIS</a:t>
+            </a:r>
+            <a:r>
+              <a:rPr lang="en-US" b="0" i="1" dirty="0">
+                <a:solidFill>
+                  <a:srgbClr val="222222"/>
+                </a:solidFill>
+                <a:effectLst/>
+                <a:latin typeface="Arial" panose="020B0604020202020204" pitchFamily="34" charset="0"/>
+              </a:rPr>
+              <a:t> in action</a:t>
+            </a:r>
+            <a:r>
+              <a:rPr lang="en-US" b="0" i="0" dirty="0">
+                <a:solidFill>
+                  <a:srgbClr val="222222"/>
+                </a:solidFill>
+                <a:effectLst/>
+                <a:latin typeface="Arial" panose="020B0604020202020204" pitchFamily="34" charset="0"/>
+              </a:rPr>
+              <a:t>. Simon and Schuster.</a:t>
+            </a:r>
+            <a:endParaRPr lang="en-US" dirty="0"/>
+          </a:p>
+          <a:p>
+            <a:endParaRPr lang="en-US" dirty="0"/>
+          </a:p>
+          <a:p>
+            <a:endParaRPr lang="en-US" dirty="0"/>
           </a:p>
         </p:txBody>
       </p:sp>
     </p:spTree>
     <p:extLst>
       <p:ext uri="{BB962C8B-B14F-4D97-AF65-F5344CB8AC3E}">
-        <p14:creationId xmlns:p14="http://schemas.microsoft.com/office/powerpoint/2010/main" val="2680321299"/>
+        <p14:creationId xmlns:p14="http://schemas.microsoft.com/office/powerpoint/2010/main" val="3829204323"/>
       </p:ext>
     </p:extLst>
   </p:cSld>
@@ -6840,7 +7094,7 @@
           <p:cNvPr id="2" name="Title 1">
             <a:extLst>
               <a:ext uri="{FF2B5EF4-FFF2-40B4-BE49-F238E27FC236}">
-                <a16:creationId xmlns:a16="http://schemas.microsoft.com/office/drawing/2014/main" id="{143F6657-AA77-37DD-7B25-83BB2CA07614}"/>
+                <a16:creationId xmlns:a16="http://schemas.microsoft.com/office/drawing/2014/main" id="{E0D25BEA-F835-5188-91C9-2F7211B9D48A}"/>
               </a:ext>
             </a:extLst>
           </p:cNvPr>
@@ -6854,7 +7108,7 @@
         <p:spPr>
           <a:xfrm>
             <a:off x="581192" y="702156"/>
-            <a:ext cx="11029616" cy="651156"/>
+            <a:ext cx="11029616" cy="925476"/>
           </a:xfrm>
         </p:spPr>
         <p:txBody>
@@ -6862,10 +7116,9 @@
           <a:lstStyle/>
           <a:p>
             <a:r>
-              <a:rPr lang="en-US" dirty="0" err="1"/>
-              <a:t>gRADE</a:t>
-            </a:r>
-            <a:endParaRPr lang="en-US" dirty="0"/>
+              <a:rPr lang="en-US" dirty="0"/>
+              <a:t>Course requirements</a:t>
+            </a:r>
           </a:p>
         </p:txBody>
       </p:sp>
@@ -6874,7 +7127,7 @@
           <p:cNvPr id="3" name="Content Placeholder 2">
             <a:extLst>
               <a:ext uri="{FF2B5EF4-FFF2-40B4-BE49-F238E27FC236}">
-                <a16:creationId xmlns:a16="http://schemas.microsoft.com/office/drawing/2014/main" id="{D23B6DEA-8159-B287-B5B7-189C68B41E78}"/>
+                <a16:creationId xmlns:a16="http://schemas.microsoft.com/office/drawing/2014/main" id="{2D67FD95-1CD0-E227-926C-BDF162BB830E}"/>
               </a:ext>
             </a:extLst>
           </p:cNvPr>
@@ -6887,22 +7140,68 @@
         </p:nvSpPr>
         <p:spPr>
           <a:xfrm>
-            <a:off x="581193" y="1737360"/>
-            <a:ext cx="11029615" cy="3634486"/>
-          </a:xfrm>
-        </p:spPr>
-        <p:txBody>
-          <a:bodyPr/>
-          <a:lstStyle/>
-          <a:p>
-            <a:endParaRPr lang="en-US" dirty="0"/>
+            <a:off x="581191" y="2002535"/>
+            <a:ext cx="11029615" cy="3227833"/>
+          </a:xfrm>
+        </p:spPr>
+        <p:txBody>
+          <a:bodyPr>
+            <a:noAutofit/>
+          </a:bodyPr>
+          <a:lstStyle/>
+          <a:p>
+            <a:r>
+              <a:rPr lang="en-US" sz="2400" b="0" i="0" u="none" strike="noStrike" baseline="0" dirty="0">
+                <a:solidFill>
+                  <a:srgbClr val="000000"/>
+                </a:solidFill>
+                <a:latin typeface="Calibri" panose="020F0502020204030204" pitchFamily="34" charset="0"/>
+              </a:rPr>
+              <a:t>Labs: 11 in total</a:t>
+            </a:r>
+          </a:p>
+          <a:p>
+            <a:pPr marL="324000" lvl="1" indent="0">
+              <a:buNone/>
+            </a:pPr>
+            <a:r>
+              <a:rPr lang="en-US" sz="2200" b="0" i="0" u="none" strike="noStrike" baseline="0" dirty="0">
+                <a:solidFill>
+                  <a:srgbClr val="000000"/>
+                </a:solidFill>
+                <a:latin typeface="Calibri" panose="020F0502020204030204" pitchFamily="34" charset="0"/>
+              </a:rPr>
+              <a:t>For any graded assignment, if the you do not agree with the grade received, the instructor and TA must be notified within one week after the assignment is graded.</a:t>
+            </a:r>
+          </a:p>
+          <a:p>
+            <a:r>
+              <a:rPr lang="en-US" sz="2400" dirty="0">
+                <a:solidFill>
+                  <a:srgbClr val="000000"/>
+                </a:solidFill>
+                <a:latin typeface="Calibri" panose="020F0502020204030204" pitchFamily="34" charset="0"/>
+              </a:rPr>
+              <a:t>Late policy for lab (excluding midterm and final project)</a:t>
+            </a:r>
+          </a:p>
+          <a:p>
+            <a:r>
+              <a:rPr lang="en-US" sz="2400" dirty="0">
+                <a:solidFill>
+                  <a:srgbClr val="000000"/>
+                </a:solidFill>
+                <a:latin typeface="Calibri" panose="020F0502020204030204" pitchFamily="34" charset="0"/>
+              </a:rPr>
+              <a:t>One midterm exam &amp; One final project (oral presentation and paper report)</a:t>
+            </a:r>
           </a:p>
         </p:txBody>
       </p:sp>
     </p:spTree>
     <p:extLst>
       <p:ext uri="{BB962C8B-B14F-4D97-AF65-F5344CB8AC3E}">
-        <p14:creationId xmlns:p14="http://schemas.microsoft.com/office/powerpoint/2010/main" val="3362862605"/>
+        <p14:creationId xmlns:p14="http://schemas.microsoft.com/office/powerpoint/2010/main" val="2680321299"/>
       </p:ext>
     </p:extLst>
   </p:cSld>
@@ -6917,13 +7216,7 @@
   <p:cSld>
     <p:spTree>
       <p:nvGrpSpPr>
-        <p:cNvPr id="1" name="">
-          <a:extLst>
-            <a:ext uri="{FF2B5EF4-FFF2-40B4-BE49-F238E27FC236}">
-              <a16:creationId xmlns:a16="http://schemas.microsoft.com/office/drawing/2014/main" id="{FF522AF5-77DF-4A14-166A-939AFFD3895B}"/>
-            </a:ext>
-          </a:extLst>
-        </p:cNvPr>
+        <p:cNvPr id="1" name=""/>
         <p:cNvGrpSpPr/>
         <p:nvPr/>
       </p:nvGrpSpPr>
@@ -6935,41 +7228,46 @@
           <a:chExt cx="0" cy="0"/>
         </a:xfrm>
       </p:grpSpPr>
-      <p:pic>
-        <p:nvPicPr>
-          <p:cNvPr id="4" name="Picture 3" descr="A colorful background with waves&#10;&#10;Description automatically generated with medium confidence">
+      <p:sp>
+        <p:nvSpPr>
+          <p:cNvPr id="2" name="Title 1">
             <a:extLst>
               <a:ext uri="{FF2B5EF4-FFF2-40B4-BE49-F238E27FC236}">
-                <a16:creationId xmlns:a16="http://schemas.microsoft.com/office/drawing/2014/main" id="{AB5A7515-CF38-5FE1-3F84-1EEBF92D4749}"/>
+                <a16:creationId xmlns:a16="http://schemas.microsoft.com/office/drawing/2014/main" id="{143F6657-AA77-37DD-7B25-83BB2CA07614}"/>
               </a:ext>
             </a:extLst>
           </p:cNvPr>
-          <p:cNvPicPr>
-            <a:picLocks noChangeAspect="1"/>
-          </p:cNvPicPr>
-          <p:nvPr/>
-        </p:nvPicPr>
-        <p:blipFill>
-          <a:blip r:embed="rId2"/>
-          <a:srcRect r="11111"/>
-          <a:stretch/>
-        </p:blipFill>
-        <p:spPr>
-          <a:xfrm>
-            <a:off x="20" y="12"/>
-            <a:ext cx="12191980" cy="6857988"/>
-          </a:xfrm>
-          <a:prstGeom prst="rect">
-            <a:avLst/>
-          </a:prstGeom>
-        </p:spPr>
-      </p:pic>
-      <p:sp>
-        <p:nvSpPr>
-          <p:cNvPr id="2" name="Title 1">
+          <p:cNvSpPr>
+            <a:spLocks noGrp="1"/>
+          </p:cNvSpPr>
+          <p:nvPr>
+            <p:ph type="title"/>
+          </p:nvPr>
+        </p:nvSpPr>
+        <p:spPr>
+          <a:xfrm>
+            <a:off x="581192" y="702156"/>
+            <a:ext cx="11029616" cy="651156"/>
+          </a:xfrm>
+        </p:spPr>
+        <p:txBody>
+          <a:bodyPr/>
+          <a:lstStyle/>
+          <a:p>
+            <a:r>
+              <a:rPr lang="en-US" dirty="0" err="1"/>
+              <a:t>gRADE</a:t>
+            </a:r>
+            <a:endParaRPr lang="en-US" dirty="0"/>
+          </a:p>
+        </p:txBody>
+      </p:sp>
+      <p:sp>
+        <p:nvSpPr>
+          <p:cNvPr id="3" name="Content Placeholder 2">
             <a:extLst>
               <a:ext uri="{FF2B5EF4-FFF2-40B4-BE49-F238E27FC236}">
-                <a16:creationId xmlns:a16="http://schemas.microsoft.com/office/drawing/2014/main" id="{65E4A67E-7184-10D0-3861-1FD0E065C4FB}"/>
+                <a16:creationId xmlns:a16="http://schemas.microsoft.com/office/drawing/2014/main" id="{D23B6DEA-8159-B287-B5B7-189C68B41E78}"/>
               </a:ext>
             </a:extLst>
           </p:cNvPr>
@@ -6977,167 +7275,27 @@
             <a:spLocks noGrp="1"/>
           </p:cNvSpPr>
           <p:nvPr>
-            <p:ph type="ctrTitle"/>
-          </p:nvPr>
-        </p:nvSpPr>
-        <p:spPr>
-          <a:xfrm>
-            <a:off x="837126" y="1693546"/>
-            <a:ext cx="4320227" cy="2009774"/>
-          </a:xfrm>
-        </p:spPr>
-        <p:txBody>
-          <a:bodyPr>
-            <a:normAutofit/>
-          </a:bodyPr>
-          <a:lstStyle/>
-          <a:p>
-            <a:r>
-              <a:rPr lang="en-US" sz="4000" dirty="0">
-                <a:solidFill>
-                  <a:srgbClr val="FFFFFF"/>
-                </a:solidFill>
-              </a:rPr>
-              <a:t>WEEK 01 </a:t>
-            </a:r>
-            <a:br>
-              <a:rPr lang="en-US" sz="4000" dirty="0">
-                <a:solidFill>
-                  <a:srgbClr val="FFFFFF"/>
-                </a:solidFill>
-              </a:rPr>
-            </a:br>
-            <a:br>
-              <a:rPr lang="en-US" sz="4000" dirty="0">
-                <a:solidFill>
-                  <a:srgbClr val="FFFFFF"/>
-                </a:solidFill>
-              </a:rPr>
-            </a:br>
-            <a:r>
-              <a:rPr lang="en-US" sz="4000" dirty="0">
-                <a:solidFill>
-                  <a:srgbClr val="FFFFFF"/>
-                </a:solidFill>
-              </a:rPr>
-              <a:t>lecture session</a:t>
-            </a:r>
-          </a:p>
-        </p:txBody>
-      </p:sp>
-      <p:sp>
-        <p:nvSpPr>
-          <p:cNvPr id="5" name="TextBox 4">
-            <a:extLst>
-              <a:ext uri="{FF2B5EF4-FFF2-40B4-BE49-F238E27FC236}">
-                <a16:creationId xmlns:a16="http://schemas.microsoft.com/office/drawing/2014/main" id="{B8D9AE8A-7BEC-80A6-985F-A3A05DACBF24}"/>
-              </a:ext>
-            </a:extLst>
-          </p:cNvPr>
-          <p:cNvSpPr txBox="1"/>
-          <p:nvPr/>
-        </p:nvSpPr>
-        <p:spPr>
-          <a:xfrm>
-            <a:off x="837126" y="4289196"/>
-            <a:ext cx="3912124" cy="3046988"/>
-          </a:xfrm>
-          <a:prstGeom prst="rect">
-            <a:avLst/>
-          </a:prstGeom>
-          <a:noFill/>
-        </p:spPr>
-        <p:txBody>
-          <a:bodyPr wrap="square" rtlCol="0">
-            <a:spAutoFit/>
-          </a:bodyPr>
-          <a:lstStyle/>
-          <a:p>
-            <a:r>
-              <a:rPr lang="en-US" sz="3200" dirty="0">
-                <a:solidFill>
-                  <a:srgbClr val="FFFFFF">
-                    <a:alpha val="75000"/>
-                  </a:srgbClr>
-                </a:solidFill>
-              </a:rPr>
-              <a:t>Instructor: Yanan Wu</a:t>
-            </a:r>
-          </a:p>
-          <a:p>
-            <a:r>
-              <a:rPr lang="en-US" sz="3200" dirty="0">
-                <a:solidFill>
-                  <a:srgbClr val="FFFFFF">
-                    <a:alpha val="75000"/>
-                  </a:srgbClr>
-                </a:solidFill>
-              </a:rPr>
-              <a:t>TA: </a:t>
-            </a:r>
-            <a:r>
-              <a:rPr lang="en-US" sz="3200" dirty="0" err="1">
-                <a:solidFill>
-                  <a:srgbClr val="FFFFFF">
-                    <a:alpha val="75000"/>
-                  </a:srgbClr>
-                </a:solidFill>
-              </a:rPr>
-              <a:t>Vanchy</a:t>
-            </a:r>
-            <a:r>
-              <a:rPr lang="en-US" sz="3200" dirty="0">
-                <a:solidFill>
-                  <a:srgbClr val="FFFFFF">
-                    <a:alpha val="75000"/>
-                  </a:srgbClr>
-                </a:solidFill>
-              </a:rPr>
-              <a:t> Li</a:t>
-            </a:r>
-          </a:p>
-          <a:p>
-            <a:r>
-              <a:rPr lang="en-US" sz="3200" dirty="0">
-                <a:solidFill>
-                  <a:srgbClr val="FFFFFF">
-                    <a:alpha val="75000"/>
-                  </a:srgbClr>
-                </a:solidFill>
-              </a:rPr>
-              <a:t> </a:t>
-            </a:r>
-          </a:p>
-          <a:p>
-            <a:r>
-              <a:rPr lang="en-US" sz="3200" dirty="0">
-                <a:solidFill>
-                  <a:srgbClr val="FFFFFF">
-                    <a:alpha val="75000"/>
-                  </a:srgbClr>
-                </a:solidFill>
-              </a:rPr>
-              <a:t>Spring 2025</a:t>
-            </a:r>
-          </a:p>
-          <a:p>
-            <a:endParaRPr lang="en-US" sz="3200" dirty="0">
-              <a:solidFill>
-                <a:srgbClr val="FFFFFF">
-                  <a:alpha val="75000"/>
-                </a:srgbClr>
-              </a:solidFill>
-            </a:endParaRPr>
-          </a:p>
-          <a:p>
-            <a:endParaRPr lang="en-US" sz="3200" dirty="0"/>
+            <p:ph idx="1"/>
+          </p:nvPr>
+        </p:nvSpPr>
+        <p:spPr>
+          <a:xfrm>
+            <a:off x="581193" y="1737360"/>
+            <a:ext cx="11029615" cy="3634486"/>
+          </a:xfrm>
+        </p:spPr>
+        <p:txBody>
+          <a:bodyPr/>
+          <a:lstStyle/>
+          <a:p>
+            <a:endParaRPr lang="en-US" dirty="0"/>
           </a:p>
         </p:txBody>
       </p:sp>
     </p:spTree>
     <p:extLst>
       <p:ext uri="{BB962C8B-B14F-4D97-AF65-F5344CB8AC3E}">
-        <p14:creationId xmlns:p14="http://schemas.microsoft.com/office/powerpoint/2010/main" val="3384109603"/>
+        <p14:creationId xmlns:p14="http://schemas.microsoft.com/office/powerpoint/2010/main" val="3362862605"/>
       </p:ext>
     </p:extLst>
   </p:cSld>
